--- a/docs/diagrams/RepeatLoginSequenceDiagram.pptx
+++ b/docs/diagrams/RepeatLoginSequenceDiagram.pptx
@@ -261,7 +261,7 @@
           <a:p>
             <a:fld id="{542F47FF-5056-41FF-A1F8-23A414798AA4}" type="datetimeFigureOut">
               <a:rPr lang="en-SG" smtClean="0"/>
-              <a:t>11/11/2018</a:t>
+              <a:t>12/11/2018</a:t>
             </a:fld>
             <a:endParaRPr lang="en-SG"/>
           </a:p>
@@ -461,7 +461,7 @@
           <a:p>
             <a:fld id="{542F47FF-5056-41FF-A1F8-23A414798AA4}" type="datetimeFigureOut">
               <a:rPr lang="en-SG" smtClean="0"/>
-              <a:t>11/11/2018</a:t>
+              <a:t>12/11/2018</a:t>
             </a:fld>
             <a:endParaRPr lang="en-SG"/>
           </a:p>
@@ -671,7 +671,7 @@
           <a:p>
             <a:fld id="{542F47FF-5056-41FF-A1F8-23A414798AA4}" type="datetimeFigureOut">
               <a:rPr lang="en-SG" smtClean="0"/>
-              <a:t>11/11/2018</a:t>
+              <a:t>12/11/2018</a:t>
             </a:fld>
             <a:endParaRPr lang="en-SG"/>
           </a:p>
@@ -871,7 +871,7 @@
           <a:p>
             <a:fld id="{542F47FF-5056-41FF-A1F8-23A414798AA4}" type="datetimeFigureOut">
               <a:rPr lang="en-SG" smtClean="0"/>
-              <a:t>11/11/2018</a:t>
+              <a:t>12/11/2018</a:t>
             </a:fld>
             <a:endParaRPr lang="en-SG"/>
           </a:p>
@@ -1147,7 +1147,7 @@
           <a:p>
             <a:fld id="{542F47FF-5056-41FF-A1F8-23A414798AA4}" type="datetimeFigureOut">
               <a:rPr lang="en-SG" smtClean="0"/>
-              <a:t>11/11/2018</a:t>
+              <a:t>12/11/2018</a:t>
             </a:fld>
             <a:endParaRPr lang="en-SG"/>
           </a:p>
@@ -1415,7 +1415,7 @@
           <a:p>
             <a:fld id="{542F47FF-5056-41FF-A1F8-23A414798AA4}" type="datetimeFigureOut">
               <a:rPr lang="en-SG" smtClean="0"/>
-              <a:t>11/11/2018</a:t>
+              <a:t>12/11/2018</a:t>
             </a:fld>
             <a:endParaRPr lang="en-SG"/>
           </a:p>
@@ -1830,7 +1830,7 @@
           <a:p>
             <a:fld id="{542F47FF-5056-41FF-A1F8-23A414798AA4}" type="datetimeFigureOut">
               <a:rPr lang="en-SG" smtClean="0"/>
-              <a:t>11/11/2018</a:t>
+              <a:t>12/11/2018</a:t>
             </a:fld>
             <a:endParaRPr lang="en-SG"/>
           </a:p>
@@ -1972,7 +1972,7 @@
           <a:p>
             <a:fld id="{542F47FF-5056-41FF-A1F8-23A414798AA4}" type="datetimeFigureOut">
               <a:rPr lang="en-SG" smtClean="0"/>
-              <a:t>11/11/2018</a:t>
+              <a:t>12/11/2018</a:t>
             </a:fld>
             <a:endParaRPr lang="en-SG"/>
           </a:p>
@@ -2085,7 +2085,7 @@
           <a:p>
             <a:fld id="{542F47FF-5056-41FF-A1F8-23A414798AA4}" type="datetimeFigureOut">
               <a:rPr lang="en-SG" smtClean="0"/>
-              <a:t>11/11/2018</a:t>
+              <a:t>12/11/2018</a:t>
             </a:fld>
             <a:endParaRPr lang="en-SG"/>
           </a:p>
@@ -2398,7 +2398,7 @@
           <a:p>
             <a:fld id="{542F47FF-5056-41FF-A1F8-23A414798AA4}" type="datetimeFigureOut">
               <a:rPr lang="en-SG" smtClean="0"/>
-              <a:t>11/11/2018</a:t>
+              <a:t>12/11/2018</a:t>
             </a:fld>
             <a:endParaRPr lang="en-SG"/>
           </a:p>
@@ -2687,7 +2687,7 @@
           <a:p>
             <a:fld id="{542F47FF-5056-41FF-A1F8-23A414798AA4}" type="datetimeFigureOut">
               <a:rPr lang="en-SG" smtClean="0"/>
-              <a:t>11/11/2018</a:t>
+              <a:t>12/11/2018</a:t>
             </a:fld>
             <a:endParaRPr lang="en-SG"/>
           </a:p>
@@ -2930,7 +2930,7 @@
           <a:p>
             <a:fld id="{542F47FF-5056-41FF-A1F8-23A414798AA4}" type="datetimeFigureOut">
               <a:rPr lang="en-SG" smtClean="0"/>
-              <a:t>11/11/2018</a:t>
+              <a:t>12/11/2018</a:t>
             </a:fld>
             <a:endParaRPr lang="en-SG"/>
           </a:p>
@@ -3407,7 +3407,7 @@
         <p:spPr>
           <a:xfrm>
             <a:off x="3296873" y="2424418"/>
-            <a:ext cx="3615652" cy="1518408"/>
+            <a:ext cx="3595348" cy="965816"/>
           </a:xfrm>
           <a:prstGeom prst="rect">
             <a:avLst/>
@@ -3660,9 +3660,9 @@
           <p:nvPr/>
         </p:nvCxnSpPr>
         <p:spPr>
-          <a:xfrm>
-            <a:off x="3673522" y="2750369"/>
-            <a:ext cx="0" cy="1267958"/>
+          <a:xfrm flipH="1">
+            <a:off x="3672458" y="2750369"/>
+            <a:ext cx="1065" cy="717398"/>
           </a:xfrm>
           <a:prstGeom prst="line">
             <a:avLst/>
@@ -3704,8 +3704,8 @@
         </p:nvSpPr>
         <p:spPr>
           <a:xfrm>
-            <a:off x="6019801" y="3014706"/>
-            <a:ext cx="152402" cy="634504"/>
+            <a:off x="6028190" y="3009037"/>
+            <a:ext cx="138052" cy="301348"/>
           </a:xfrm>
           <a:prstGeom prst="rect">
             <a:avLst/>
@@ -3810,7 +3810,7 @@
         </p:nvCxnSpPr>
         <p:spPr>
           <a:xfrm flipV="1">
-            <a:off x="3665133" y="3641056"/>
+            <a:off x="3673522" y="3306696"/>
             <a:ext cx="2354668" cy="7378"/>
           </a:xfrm>
           <a:prstGeom prst="straightConnector1">
@@ -3854,8 +3854,8 @@
         </p:nvSpPr>
         <p:spPr>
           <a:xfrm>
-            <a:off x="3014986" y="1343094"/>
-            <a:ext cx="1317071" cy="714337"/>
+            <a:off x="2758728" y="2020314"/>
+            <a:ext cx="1846367" cy="299621"/>
           </a:xfrm>
           <a:prstGeom prst="roundRect">
             <a:avLst/>
@@ -3913,7 +3913,7 @@
         </p:nvSpPr>
         <p:spPr>
           <a:xfrm>
-            <a:off x="3998970" y="2750369"/>
+            <a:off x="3998969" y="2666847"/>
             <a:ext cx="1844864" cy="307777"/>
           </a:xfrm>
           <a:prstGeom prst="rect">
@@ -3948,7 +3948,7 @@
         </p:nvSpPr>
         <p:spPr>
           <a:xfrm>
-            <a:off x="4620261" y="3361817"/>
+            <a:off x="4528742" y="3053263"/>
             <a:ext cx="602281" cy="307777"/>
           </a:xfrm>
           <a:prstGeom prst="rect">
@@ -3985,9 +3985,9 @@
           <p:nvPr/>
         </p:nvCxnSpPr>
         <p:spPr>
-          <a:xfrm>
-            <a:off x="6096002" y="2155971"/>
-            <a:ext cx="0" cy="858735"/>
+          <a:xfrm flipH="1">
+            <a:off x="6097216" y="1966787"/>
+            <a:ext cx="7174" cy="1042250"/>
           </a:xfrm>
           <a:prstGeom prst="line">
             <a:avLst/>
@@ -4029,8 +4029,8 @@
         </p:nvSpPr>
         <p:spPr>
           <a:xfrm>
-            <a:off x="5299746" y="1489801"/>
-            <a:ext cx="1592507" cy="647895"/>
+            <a:off x="5288559" y="2020314"/>
+            <a:ext cx="1592507" cy="293220"/>
           </a:xfrm>
           <a:prstGeom prst="roundRect">
             <a:avLst/>
@@ -4090,8 +4090,8 @@
         </p:nvCxnSpPr>
         <p:spPr>
           <a:xfrm>
-            <a:off x="6095999" y="3669594"/>
-            <a:ext cx="0" cy="348733"/>
+            <a:off x="6084813" y="3323548"/>
+            <a:ext cx="11186" cy="144219"/>
           </a:xfrm>
           <a:prstGeom prst="line">
             <a:avLst/>
@@ -4133,7 +4133,7 @@
         </p:nvSpPr>
         <p:spPr>
           <a:xfrm>
-            <a:off x="5966797" y="3977888"/>
+            <a:off x="5966797" y="3382280"/>
             <a:ext cx="258404" cy="261610"/>
           </a:xfrm>
           <a:prstGeom prst="rect">
@@ -4172,7 +4172,7 @@
         </p:nvSpPr>
         <p:spPr>
           <a:xfrm>
-            <a:off x="3544319" y="3979376"/>
+            <a:off x="3531765" y="3408823"/>
             <a:ext cx="258404" cy="261610"/>
           </a:xfrm>
           <a:prstGeom prst="rect">
